--- a/ppt 16-9/1374.不是依靠势力.pptx
+++ b/ppt 16-9/1374.不是依靠势力.pptx
@@ -5,7 +5,7 @@
     <p:sldMasterId id="2147483648" r:id="rId1"/>
   </p:sldMasterIdLst>
   <p:sldIdLst>
-    <p:sldId id="943" r:id="rId2"/>
+    <p:sldId id="944" r:id="rId2"/>
   </p:sldIdLst>
   <p:sldSz cx="12192000" cy="6858000"/>
   <p:notesSz cx="6858000" cy="9144000"/>
@@ -129,7 +129,7 @@
           <p:cNvPr id="2" name="标题 1">
             <a:extLst>
               <a:ext uri="{FF2B5EF4-FFF2-40B4-BE49-F238E27FC236}">
-                <a16:creationId xmlns:a16="http://schemas.microsoft.com/office/drawing/2014/main" id="{2C373A50-DE99-5CCD-C85F-0B67896E0EFD}"/>
+                <a16:creationId xmlns:a16="http://schemas.microsoft.com/office/drawing/2014/main" id="{5783256C-2BA3-B381-BDFE-1928CBBA4341}"/>
               </a:ext>
             </a:extLst>
           </p:cNvPr>
@@ -166,7 +166,7 @@
           <p:cNvPr id="3" name="副标题 2">
             <a:extLst>
               <a:ext uri="{FF2B5EF4-FFF2-40B4-BE49-F238E27FC236}">
-                <a16:creationId xmlns:a16="http://schemas.microsoft.com/office/drawing/2014/main" id="{5C5353CA-8DE4-1121-14F0-77DB6A3A1D30}"/>
+                <a16:creationId xmlns:a16="http://schemas.microsoft.com/office/drawing/2014/main" id="{FA7A9A28-24C8-9030-ED96-25C050608CC8}"/>
               </a:ext>
             </a:extLst>
           </p:cNvPr>
@@ -236,7 +236,7 @@
           <p:cNvPr id="4" name="日期占位符 3">
             <a:extLst>
               <a:ext uri="{FF2B5EF4-FFF2-40B4-BE49-F238E27FC236}">
-                <a16:creationId xmlns:a16="http://schemas.microsoft.com/office/drawing/2014/main" id="{57CE4E9A-CD56-7336-1D68-E711B74FA3A6}"/>
+                <a16:creationId xmlns:a16="http://schemas.microsoft.com/office/drawing/2014/main" id="{8758CA38-0DBD-F275-FF2E-0AEE92BAB650}"/>
               </a:ext>
             </a:extLst>
           </p:cNvPr>
@@ -252,7 +252,7 @@
           <a:bodyPr/>
           <a:lstStyle/>
           <a:p>
-            <a:fld id="{DD1EC357-43F8-4026-AB91-F61774282AC6}" type="datetimeFigureOut">
+            <a:fld id="{F9456A0E-A58B-4508-B51A-EBC91019B2A2}" type="datetimeFigureOut">
               <a:rPr lang="zh-CN" altLang="en-US" smtClean="0"/>
               <a:t>2024/3/10</a:t>
             </a:fld>
@@ -265,7 +265,7 @@
           <p:cNvPr id="5" name="页脚占位符 4">
             <a:extLst>
               <a:ext uri="{FF2B5EF4-FFF2-40B4-BE49-F238E27FC236}">
-                <a16:creationId xmlns:a16="http://schemas.microsoft.com/office/drawing/2014/main" id="{E5F9BEE8-0E64-5342-69AB-CA1A5E0D0BFA}"/>
+                <a16:creationId xmlns:a16="http://schemas.microsoft.com/office/drawing/2014/main" id="{12445A3A-7A27-AAB3-BC85-2E17432A5B67}"/>
               </a:ext>
             </a:extLst>
           </p:cNvPr>
@@ -290,7 +290,7 @@
           <p:cNvPr id="6" name="灯片编号占位符 5">
             <a:extLst>
               <a:ext uri="{FF2B5EF4-FFF2-40B4-BE49-F238E27FC236}">
-                <a16:creationId xmlns:a16="http://schemas.microsoft.com/office/drawing/2014/main" id="{135C4200-B904-1C5B-943E-45A67EB85CC6}"/>
+                <a16:creationId xmlns:a16="http://schemas.microsoft.com/office/drawing/2014/main" id="{08B3983D-A687-EBB0-749A-467D96B51B3D}"/>
               </a:ext>
             </a:extLst>
           </p:cNvPr>
@@ -306,7 +306,7 @@
           <a:bodyPr/>
           <a:lstStyle/>
           <a:p>
-            <a:fld id="{D060AEF6-9C36-4276-B9B1-42626739A68F}" type="slidenum">
+            <a:fld id="{90D0670D-7C2E-44C5-AFF6-79D9C9D53D29}" type="slidenum">
               <a:rPr lang="zh-CN" altLang="en-US" smtClean="0"/>
               <a:t>‹#›</a:t>
             </a:fld>
@@ -317,7 +317,7 @@
     </p:spTree>
     <p:extLst>
       <p:ext uri="{BB962C8B-B14F-4D97-AF65-F5344CB8AC3E}">
-        <p14:creationId xmlns:p14="http://schemas.microsoft.com/office/powerpoint/2010/main" val="1238820466"/>
+        <p14:creationId xmlns:p14="http://schemas.microsoft.com/office/powerpoint/2010/main" val="353280379"/>
       </p:ext>
     </p:extLst>
   </p:cSld>
@@ -349,7 +349,7 @@
           <p:cNvPr id="2" name="标题 1">
             <a:extLst>
               <a:ext uri="{FF2B5EF4-FFF2-40B4-BE49-F238E27FC236}">
-                <a16:creationId xmlns:a16="http://schemas.microsoft.com/office/drawing/2014/main" id="{EE66FCBE-417D-C591-2575-F6E6B032AD6B}"/>
+                <a16:creationId xmlns:a16="http://schemas.microsoft.com/office/drawing/2014/main" id="{B501D437-2F6C-82B1-D63D-FE2BF8B5636B}"/>
               </a:ext>
             </a:extLst>
           </p:cNvPr>
@@ -377,7 +377,7 @@
           <p:cNvPr id="3" name="竖排文字占位符 2">
             <a:extLst>
               <a:ext uri="{FF2B5EF4-FFF2-40B4-BE49-F238E27FC236}">
-                <a16:creationId xmlns:a16="http://schemas.microsoft.com/office/drawing/2014/main" id="{B55E1E45-A78A-B3E1-146B-A6280D402516}"/>
+                <a16:creationId xmlns:a16="http://schemas.microsoft.com/office/drawing/2014/main" id="{91BFC30B-B966-FBE5-71AF-5F41DC52F7F6}"/>
               </a:ext>
             </a:extLst>
           </p:cNvPr>
@@ -434,7 +434,7 @@
           <p:cNvPr id="4" name="日期占位符 3">
             <a:extLst>
               <a:ext uri="{FF2B5EF4-FFF2-40B4-BE49-F238E27FC236}">
-                <a16:creationId xmlns:a16="http://schemas.microsoft.com/office/drawing/2014/main" id="{D0602E53-DC0D-204B-EC31-A74EE096FA20}"/>
+                <a16:creationId xmlns:a16="http://schemas.microsoft.com/office/drawing/2014/main" id="{B125ABB5-D8B1-1B79-38EE-E1ED9BCB2CFD}"/>
               </a:ext>
             </a:extLst>
           </p:cNvPr>
@@ -450,7 +450,7 @@
           <a:bodyPr/>
           <a:lstStyle/>
           <a:p>
-            <a:fld id="{DD1EC357-43F8-4026-AB91-F61774282AC6}" type="datetimeFigureOut">
+            <a:fld id="{F9456A0E-A58B-4508-B51A-EBC91019B2A2}" type="datetimeFigureOut">
               <a:rPr lang="zh-CN" altLang="en-US" smtClean="0"/>
               <a:t>2024/3/10</a:t>
             </a:fld>
@@ -463,7 +463,7 @@
           <p:cNvPr id="5" name="页脚占位符 4">
             <a:extLst>
               <a:ext uri="{FF2B5EF4-FFF2-40B4-BE49-F238E27FC236}">
-                <a16:creationId xmlns:a16="http://schemas.microsoft.com/office/drawing/2014/main" id="{C8E9B7F1-98AD-5FF7-5C0A-82FBD8D67617}"/>
+                <a16:creationId xmlns:a16="http://schemas.microsoft.com/office/drawing/2014/main" id="{05F50338-9B0E-0881-C35E-660FCA6C62C6}"/>
               </a:ext>
             </a:extLst>
           </p:cNvPr>
@@ -488,7 +488,7 @@
           <p:cNvPr id="6" name="灯片编号占位符 5">
             <a:extLst>
               <a:ext uri="{FF2B5EF4-FFF2-40B4-BE49-F238E27FC236}">
-                <a16:creationId xmlns:a16="http://schemas.microsoft.com/office/drawing/2014/main" id="{E24305D3-C3BF-0ADD-ECEF-6D255C023BC6}"/>
+                <a16:creationId xmlns:a16="http://schemas.microsoft.com/office/drawing/2014/main" id="{228FBA8B-BCB4-DCAB-A226-456FC5FEC317}"/>
               </a:ext>
             </a:extLst>
           </p:cNvPr>
@@ -504,7 +504,7 @@
           <a:bodyPr/>
           <a:lstStyle/>
           <a:p>
-            <a:fld id="{D060AEF6-9C36-4276-B9B1-42626739A68F}" type="slidenum">
+            <a:fld id="{90D0670D-7C2E-44C5-AFF6-79D9C9D53D29}" type="slidenum">
               <a:rPr lang="zh-CN" altLang="en-US" smtClean="0"/>
               <a:t>‹#›</a:t>
             </a:fld>
@@ -515,7 +515,7 @@
     </p:spTree>
     <p:extLst>
       <p:ext uri="{BB962C8B-B14F-4D97-AF65-F5344CB8AC3E}">
-        <p14:creationId xmlns:p14="http://schemas.microsoft.com/office/powerpoint/2010/main" val="3858420379"/>
+        <p14:creationId xmlns:p14="http://schemas.microsoft.com/office/powerpoint/2010/main" val="3755891320"/>
       </p:ext>
     </p:extLst>
   </p:cSld>
@@ -547,7 +547,7 @@
           <p:cNvPr id="2" name="竖排标题 1">
             <a:extLst>
               <a:ext uri="{FF2B5EF4-FFF2-40B4-BE49-F238E27FC236}">
-                <a16:creationId xmlns:a16="http://schemas.microsoft.com/office/drawing/2014/main" id="{AAC689C6-C84C-5749-FA63-071FCF7CB7F2}"/>
+                <a16:creationId xmlns:a16="http://schemas.microsoft.com/office/drawing/2014/main" id="{12C3124B-E498-2CD9-A978-9D5CF92A2617}"/>
               </a:ext>
             </a:extLst>
           </p:cNvPr>
@@ -580,7 +580,7 @@
           <p:cNvPr id="3" name="竖排文字占位符 2">
             <a:extLst>
               <a:ext uri="{FF2B5EF4-FFF2-40B4-BE49-F238E27FC236}">
-                <a16:creationId xmlns:a16="http://schemas.microsoft.com/office/drawing/2014/main" id="{17FC2318-3B19-84EC-DD66-5E32B750964F}"/>
+                <a16:creationId xmlns:a16="http://schemas.microsoft.com/office/drawing/2014/main" id="{0868074D-1DA5-ED68-6B17-8F0B736D3891}"/>
               </a:ext>
             </a:extLst>
           </p:cNvPr>
@@ -642,7 +642,7 @@
           <p:cNvPr id="4" name="日期占位符 3">
             <a:extLst>
               <a:ext uri="{FF2B5EF4-FFF2-40B4-BE49-F238E27FC236}">
-                <a16:creationId xmlns:a16="http://schemas.microsoft.com/office/drawing/2014/main" id="{D453824A-18AE-C271-0B0C-790F0977BB3F}"/>
+                <a16:creationId xmlns:a16="http://schemas.microsoft.com/office/drawing/2014/main" id="{CE7D03F2-433D-1BBA-4DC0-FEF4EAECA3FB}"/>
               </a:ext>
             </a:extLst>
           </p:cNvPr>
@@ -658,7 +658,7 @@
           <a:bodyPr/>
           <a:lstStyle/>
           <a:p>
-            <a:fld id="{DD1EC357-43F8-4026-AB91-F61774282AC6}" type="datetimeFigureOut">
+            <a:fld id="{F9456A0E-A58B-4508-B51A-EBC91019B2A2}" type="datetimeFigureOut">
               <a:rPr lang="zh-CN" altLang="en-US" smtClean="0"/>
               <a:t>2024/3/10</a:t>
             </a:fld>
@@ -671,7 +671,7 @@
           <p:cNvPr id="5" name="页脚占位符 4">
             <a:extLst>
               <a:ext uri="{FF2B5EF4-FFF2-40B4-BE49-F238E27FC236}">
-                <a16:creationId xmlns:a16="http://schemas.microsoft.com/office/drawing/2014/main" id="{EA033067-7456-AAC4-A803-05109F1B2A41}"/>
+                <a16:creationId xmlns:a16="http://schemas.microsoft.com/office/drawing/2014/main" id="{3A272829-CAE5-5373-D025-F03B12077C9B}"/>
               </a:ext>
             </a:extLst>
           </p:cNvPr>
@@ -696,7 +696,7 @@
           <p:cNvPr id="6" name="灯片编号占位符 5">
             <a:extLst>
               <a:ext uri="{FF2B5EF4-FFF2-40B4-BE49-F238E27FC236}">
-                <a16:creationId xmlns:a16="http://schemas.microsoft.com/office/drawing/2014/main" id="{ECCA8705-EB6B-D353-63E4-B1BA5562BDF4}"/>
+                <a16:creationId xmlns:a16="http://schemas.microsoft.com/office/drawing/2014/main" id="{6290A064-07CA-865D-19F3-02883AE7294D}"/>
               </a:ext>
             </a:extLst>
           </p:cNvPr>
@@ -712,7 +712,7 @@
           <a:bodyPr/>
           <a:lstStyle/>
           <a:p>
-            <a:fld id="{D060AEF6-9C36-4276-B9B1-42626739A68F}" type="slidenum">
+            <a:fld id="{90D0670D-7C2E-44C5-AFF6-79D9C9D53D29}" type="slidenum">
               <a:rPr lang="zh-CN" altLang="en-US" smtClean="0"/>
               <a:t>‹#›</a:t>
             </a:fld>
@@ -723,7 +723,7 @@
     </p:spTree>
     <p:extLst>
       <p:ext uri="{BB962C8B-B14F-4D97-AF65-F5344CB8AC3E}">
-        <p14:creationId xmlns:p14="http://schemas.microsoft.com/office/powerpoint/2010/main" val="3496847430"/>
+        <p14:creationId xmlns:p14="http://schemas.microsoft.com/office/powerpoint/2010/main" val="2165710409"/>
       </p:ext>
     </p:extLst>
   </p:cSld>
@@ -755,7 +755,7 @@
           <p:cNvPr id="2" name="标题 1">
             <a:extLst>
               <a:ext uri="{FF2B5EF4-FFF2-40B4-BE49-F238E27FC236}">
-                <a16:creationId xmlns:a16="http://schemas.microsoft.com/office/drawing/2014/main" id="{C11AF28A-9FBF-5E85-BA47-7A34321091F2}"/>
+                <a16:creationId xmlns:a16="http://schemas.microsoft.com/office/drawing/2014/main" id="{2C522CF8-FB03-657B-B2D6-3CD5BAFFB5BE}"/>
               </a:ext>
             </a:extLst>
           </p:cNvPr>
@@ -783,7 +783,7 @@
           <p:cNvPr id="3" name="内容占位符 2">
             <a:extLst>
               <a:ext uri="{FF2B5EF4-FFF2-40B4-BE49-F238E27FC236}">
-                <a16:creationId xmlns:a16="http://schemas.microsoft.com/office/drawing/2014/main" id="{BAFCD0F4-E78D-F559-F630-01EF0538F0FA}"/>
+                <a16:creationId xmlns:a16="http://schemas.microsoft.com/office/drawing/2014/main" id="{437C1CF6-6C91-0668-F796-8A9AB6B98D22}"/>
               </a:ext>
             </a:extLst>
           </p:cNvPr>
@@ -840,7 +840,7 @@
           <p:cNvPr id="4" name="日期占位符 3">
             <a:extLst>
               <a:ext uri="{FF2B5EF4-FFF2-40B4-BE49-F238E27FC236}">
-                <a16:creationId xmlns:a16="http://schemas.microsoft.com/office/drawing/2014/main" id="{2611C014-EACB-D2A7-F05A-DCE44BEAC6F3}"/>
+                <a16:creationId xmlns:a16="http://schemas.microsoft.com/office/drawing/2014/main" id="{9627CB5E-D626-FF4A-761C-136EF0035F41}"/>
               </a:ext>
             </a:extLst>
           </p:cNvPr>
@@ -856,7 +856,7 @@
           <a:bodyPr/>
           <a:lstStyle/>
           <a:p>
-            <a:fld id="{DD1EC357-43F8-4026-AB91-F61774282AC6}" type="datetimeFigureOut">
+            <a:fld id="{F9456A0E-A58B-4508-B51A-EBC91019B2A2}" type="datetimeFigureOut">
               <a:rPr lang="zh-CN" altLang="en-US" smtClean="0"/>
               <a:t>2024/3/10</a:t>
             </a:fld>
@@ -869,7 +869,7 @@
           <p:cNvPr id="5" name="页脚占位符 4">
             <a:extLst>
               <a:ext uri="{FF2B5EF4-FFF2-40B4-BE49-F238E27FC236}">
-                <a16:creationId xmlns:a16="http://schemas.microsoft.com/office/drawing/2014/main" id="{6438DF2F-F454-A101-B61B-CB22C88F3245}"/>
+                <a16:creationId xmlns:a16="http://schemas.microsoft.com/office/drawing/2014/main" id="{6C72E3BA-0431-C545-A8AC-2AEF313BBD9F}"/>
               </a:ext>
             </a:extLst>
           </p:cNvPr>
@@ -894,7 +894,7 @@
           <p:cNvPr id="6" name="灯片编号占位符 5">
             <a:extLst>
               <a:ext uri="{FF2B5EF4-FFF2-40B4-BE49-F238E27FC236}">
-                <a16:creationId xmlns:a16="http://schemas.microsoft.com/office/drawing/2014/main" id="{9BAEB903-1CA2-54B1-D2F1-F580254FE964}"/>
+                <a16:creationId xmlns:a16="http://schemas.microsoft.com/office/drawing/2014/main" id="{EDC0EAB4-427E-61EF-A98E-A2A53C752C4F}"/>
               </a:ext>
             </a:extLst>
           </p:cNvPr>
@@ -910,7 +910,7 @@
           <a:bodyPr/>
           <a:lstStyle/>
           <a:p>
-            <a:fld id="{D060AEF6-9C36-4276-B9B1-42626739A68F}" type="slidenum">
+            <a:fld id="{90D0670D-7C2E-44C5-AFF6-79D9C9D53D29}" type="slidenum">
               <a:rPr lang="zh-CN" altLang="en-US" smtClean="0"/>
               <a:t>‹#›</a:t>
             </a:fld>
@@ -921,7 +921,7 @@
     </p:spTree>
     <p:extLst>
       <p:ext uri="{BB962C8B-B14F-4D97-AF65-F5344CB8AC3E}">
-        <p14:creationId xmlns:p14="http://schemas.microsoft.com/office/powerpoint/2010/main" val="841369618"/>
+        <p14:creationId xmlns:p14="http://schemas.microsoft.com/office/powerpoint/2010/main" val="1936998605"/>
       </p:ext>
     </p:extLst>
   </p:cSld>
@@ -953,7 +953,7 @@
           <p:cNvPr id="2" name="标题 1">
             <a:extLst>
               <a:ext uri="{FF2B5EF4-FFF2-40B4-BE49-F238E27FC236}">
-                <a16:creationId xmlns:a16="http://schemas.microsoft.com/office/drawing/2014/main" id="{6E8B6F8F-A817-5630-720E-95B791B5E202}"/>
+                <a16:creationId xmlns:a16="http://schemas.microsoft.com/office/drawing/2014/main" id="{4921EFAB-593D-AB54-44E1-6DF7ABF9E87C}"/>
               </a:ext>
             </a:extLst>
           </p:cNvPr>
@@ -990,7 +990,7 @@
           <p:cNvPr id="3" name="文本占位符 2">
             <a:extLst>
               <a:ext uri="{FF2B5EF4-FFF2-40B4-BE49-F238E27FC236}">
-                <a16:creationId xmlns:a16="http://schemas.microsoft.com/office/drawing/2014/main" id="{A2C0FAEE-9E7A-1464-C28E-A1F8EE2729D6}"/>
+                <a16:creationId xmlns:a16="http://schemas.microsoft.com/office/drawing/2014/main" id="{24174A4F-8924-B4FD-FEF7-7C6E23AED8AC}"/>
               </a:ext>
             </a:extLst>
           </p:cNvPr>
@@ -1115,7 +1115,7 @@
           <p:cNvPr id="4" name="日期占位符 3">
             <a:extLst>
               <a:ext uri="{FF2B5EF4-FFF2-40B4-BE49-F238E27FC236}">
-                <a16:creationId xmlns:a16="http://schemas.microsoft.com/office/drawing/2014/main" id="{6FD14F91-D7C0-F8C3-42A4-77ACF1BC35E1}"/>
+                <a16:creationId xmlns:a16="http://schemas.microsoft.com/office/drawing/2014/main" id="{9CE042F8-DF9B-37DF-2FF9-AB3541C17794}"/>
               </a:ext>
             </a:extLst>
           </p:cNvPr>
@@ -1131,7 +1131,7 @@
           <a:bodyPr/>
           <a:lstStyle/>
           <a:p>
-            <a:fld id="{DD1EC357-43F8-4026-AB91-F61774282AC6}" type="datetimeFigureOut">
+            <a:fld id="{F9456A0E-A58B-4508-B51A-EBC91019B2A2}" type="datetimeFigureOut">
               <a:rPr lang="zh-CN" altLang="en-US" smtClean="0"/>
               <a:t>2024/3/10</a:t>
             </a:fld>
@@ -1144,7 +1144,7 @@
           <p:cNvPr id="5" name="页脚占位符 4">
             <a:extLst>
               <a:ext uri="{FF2B5EF4-FFF2-40B4-BE49-F238E27FC236}">
-                <a16:creationId xmlns:a16="http://schemas.microsoft.com/office/drawing/2014/main" id="{313F8388-A1E0-41BB-E8CD-1316A568FA47}"/>
+                <a16:creationId xmlns:a16="http://schemas.microsoft.com/office/drawing/2014/main" id="{25BFF77E-6A77-A176-8D2D-10ECFAD39B1D}"/>
               </a:ext>
             </a:extLst>
           </p:cNvPr>
@@ -1169,7 +1169,7 @@
           <p:cNvPr id="6" name="灯片编号占位符 5">
             <a:extLst>
               <a:ext uri="{FF2B5EF4-FFF2-40B4-BE49-F238E27FC236}">
-                <a16:creationId xmlns:a16="http://schemas.microsoft.com/office/drawing/2014/main" id="{1E2A9D3E-B23D-4ABD-4469-EFC0C3106401}"/>
+                <a16:creationId xmlns:a16="http://schemas.microsoft.com/office/drawing/2014/main" id="{048C5916-F743-AD78-1722-4725044EC414}"/>
               </a:ext>
             </a:extLst>
           </p:cNvPr>
@@ -1185,7 +1185,7 @@
           <a:bodyPr/>
           <a:lstStyle/>
           <a:p>
-            <a:fld id="{D060AEF6-9C36-4276-B9B1-42626739A68F}" type="slidenum">
+            <a:fld id="{90D0670D-7C2E-44C5-AFF6-79D9C9D53D29}" type="slidenum">
               <a:rPr lang="zh-CN" altLang="en-US" smtClean="0"/>
               <a:t>‹#›</a:t>
             </a:fld>
@@ -1196,7 +1196,7 @@
     </p:spTree>
     <p:extLst>
       <p:ext uri="{BB962C8B-B14F-4D97-AF65-F5344CB8AC3E}">
-        <p14:creationId xmlns:p14="http://schemas.microsoft.com/office/powerpoint/2010/main" val="1347217693"/>
+        <p14:creationId xmlns:p14="http://schemas.microsoft.com/office/powerpoint/2010/main" val="2142635652"/>
       </p:ext>
     </p:extLst>
   </p:cSld>
@@ -1228,7 +1228,7 @@
           <p:cNvPr id="2" name="标题 1">
             <a:extLst>
               <a:ext uri="{FF2B5EF4-FFF2-40B4-BE49-F238E27FC236}">
-                <a16:creationId xmlns:a16="http://schemas.microsoft.com/office/drawing/2014/main" id="{F6F45BE2-B98C-6841-5783-E9117D46DDB2}"/>
+                <a16:creationId xmlns:a16="http://schemas.microsoft.com/office/drawing/2014/main" id="{B700ACA2-037E-46CC-79AC-45650EAD7ADE}"/>
               </a:ext>
             </a:extLst>
           </p:cNvPr>
@@ -1256,7 +1256,7 @@
           <p:cNvPr id="3" name="内容占位符 2">
             <a:extLst>
               <a:ext uri="{FF2B5EF4-FFF2-40B4-BE49-F238E27FC236}">
-                <a16:creationId xmlns:a16="http://schemas.microsoft.com/office/drawing/2014/main" id="{F3F30958-2DC9-CADF-B29F-0151255472D7}"/>
+                <a16:creationId xmlns:a16="http://schemas.microsoft.com/office/drawing/2014/main" id="{459F36E0-3DB9-77E8-C5A9-2688124673A5}"/>
               </a:ext>
             </a:extLst>
           </p:cNvPr>
@@ -1318,7 +1318,7 @@
           <p:cNvPr id="4" name="内容占位符 3">
             <a:extLst>
               <a:ext uri="{FF2B5EF4-FFF2-40B4-BE49-F238E27FC236}">
-                <a16:creationId xmlns:a16="http://schemas.microsoft.com/office/drawing/2014/main" id="{03850D6A-BE26-45FC-FF93-CDC7D95D6FB7}"/>
+                <a16:creationId xmlns:a16="http://schemas.microsoft.com/office/drawing/2014/main" id="{2F369C32-840A-41C8-22DC-A141E6C2CBA4}"/>
               </a:ext>
             </a:extLst>
           </p:cNvPr>
@@ -1380,7 +1380,7 @@
           <p:cNvPr id="5" name="日期占位符 4">
             <a:extLst>
               <a:ext uri="{FF2B5EF4-FFF2-40B4-BE49-F238E27FC236}">
-                <a16:creationId xmlns:a16="http://schemas.microsoft.com/office/drawing/2014/main" id="{2EA7F7A5-30FD-D546-CCD4-DDC33B4A0D55}"/>
+                <a16:creationId xmlns:a16="http://schemas.microsoft.com/office/drawing/2014/main" id="{A3F44D7E-86E1-D0B8-E131-7F35A9D677FD}"/>
               </a:ext>
             </a:extLst>
           </p:cNvPr>
@@ -1396,7 +1396,7 @@
           <a:bodyPr/>
           <a:lstStyle/>
           <a:p>
-            <a:fld id="{DD1EC357-43F8-4026-AB91-F61774282AC6}" type="datetimeFigureOut">
+            <a:fld id="{F9456A0E-A58B-4508-B51A-EBC91019B2A2}" type="datetimeFigureOut">
               <a:rPr lang="zh-CN" altLang="en-US" smtClean="0"/>
               <a:t>2024/3/10</a:t>
             </a:fld>
@@ -1409,7 +1409,7 @@
           <p:cNvPr id="6" name="页脚占位符 5">
             <a:extLst>
               <a:ext uri="{FF2B5EF4-FFF2-40B4-BE49-F238E27FC236}">
-                <a16:creationId xmlns:a16="http://schemas.microsoft.com/office/drawing/2014/main" id="{5277C87D-7ACB-053D-D5A8-F4FFCD48C462}"/>
+                <a16:creationId xmlns:a16="http://schemas.microsoft.com/office/drawing/2014/main" id="{6AEAD79A-ABE5-8699-BFA5-66CB94E72952}"/>
               </a:ext>
             </a:extLst>
           </p:cNvPr>
@@ -1434,7 +1434,7 @@
           <p:cNvPr id="7" name="灯片编号占位符 6">
             <a:extLst>
               <a:ext uri="{FF2B5EF4-FFF2-40B4-BE49-F238E27FC236}">
-                <a16:creationId xmlns:a16="http://schemas.microsoft.com/office/drawing/2014/main" id="{CCC883DB-95B7-D55B-D0CA-88F40E34F623}"/>
+                <a16:creationId xmlns:a16="http://schemas.microsoft.com/office/drawing/2014/main" id="{B67CBBFA-3C68-F7A1-7F6A-752C9782A10D}"/>
               </a:ext>
             </a:extLst>
           </p:cNvPr>
@@ -1450,7 +1450,7 @@
           <a:bodyPr/>
           <a:lstStyle/>
           <a:p>
-            <a:fld id="{D060AEF6-9C36-4276-B9B1-42626739A68F}" type="slidenum">
+            <a:fld id="{90D0670D-7C2E-44C5-AFF6-79D9C9D53D29}" type="slidenum">
               <a:rPr lang="zh-CN" altLang="en-US" smtClean="0"/>
               <a:t>‹#›</a:t>
             </a:fld>
@@ -1461,7 +1461,7 @@
     </p:spTree>
     <p:extLst>
       <p:ext uri="{BB962C8B-B14F-4D97-AF65-F5344CB8AC3E}">
-        <p14:creationId xmlns:p14="http://schemas.microsoft.com/office/powerpoint/2010/main" val="1731456666"/>
+        <p14:creationId xmlns:p14="http://schemas.microsoft.com/office/powerpoint/2010/main" val="3139567178"/>
       </p:ext>
     </p:extLst>
   </p:cSld>
@@ -1493,7 +1493,7 @@
           <p:cNvPr id="2" name="标题 1">
             <a:extLst>
               <a:ext uri="{FF2B5EF4-FFF2-40B4-BE49-F238E27FC236}">
-                <a16:creationId xmlns:a16="http://schemas.microsoft.com/office/drawing/2014/main" id="{3D3EDD62-E1B1-98CD-3D21-F8260EFA7556}"/>
+                <a16:creationId xmlns:a16="http://schemas.microsoft.com/office/drawing/2014/main" id="{03BA259B-F51E-9502-2F72-9504EF18C2CF}"/>
               </a:ext>
             </a:extLst>
           </p:cNvPr>
@@ -1526,7 +1526,7 @@
           <p:cNvPr id="3" name="文本占位符 2">
             <a:extLst>
               <a:ext uri="{FF2B5EF4-FFF2-40B4-BE49-F238E27FC236}">
-                <a16:creationId xmlns:a16="http://schemas.microsoft.com/office/drawing/2014/main" id="{78C7737C-BBC3-6FDD-BF2A-F3C3B87008FB}"/>
+                <a16:creationId xmlns:a16="http://schemas.microsoft.com/office/drawing/2014/main" id="{B8D8E571-AC94-5B58-E85B-149B6C0F93B1}"/>
               </a:ext>
             </a:extLst>
           </p:cNvPr>
@@ -1597,7 +1597,7 @@
           <p:cNvPr id="4" name="内容占位符 3">
             <a:extLst>
               <a:ext uri="{FF2B5EF4-FFF2-40B4-BE49-F238E27FC236}">
-                <a16:creationId xmlns:a16="http://schemas.microsoft.com/office/drawing/2014/main" id="{021DA645-9128-8B82-E741-DF5DCC343A43}"/>
+                <a16:creationId xmlns:a16="http://schemas.microsoft.com/office/drawing/2014/main" id="{16C463FF-3A4F-90C5-1AA9-55B502293DE0}"/>
               </a:ext>
             </a:extLst>
           </p:cNvPr>
@@ -1659,7 +1659,7 @@
           <p:cNvPr id="5" name="文本占位符 4">
             <a:extLst>
               <a:ext uri="{FF2B5EF4-FFF2-40B4-BE49-F238E27FC236}">
-                <a16:creationId xmlns:a16="http://schemas.microsoft.com/office/drawing/2014/main" id="{48DE2251-44D3-7275-1B62-3ECAC74F1CA5}"/>
+                <a16:creationId xmlns:a16="http://schemas.microsoft.com/office/drawing/2014/main" id="{34B3D2EF-9B0D-6C80-60C1-25643663E572}"/>
               </a:ext>
             </a:extLst>
           </p:cNvPr>
@@ -1730,7 +1730,7 @@
           <p:cNvPr id="6" name="内容占位符 5">
             <a:extLst>
               <a:ext uri="{FF2B5EF4-FFF2-40B4-BE49-F238E27FC236}">
-                <a16:creationId xmlns:a16="http://schemas.microsoft.com/office/drawing/2014/main" id="{CDFF1253-F147-9782-870C-1269679A5B47}"/>
+                <a16:creationId xmlns:a16="http://schemas.microsoft.com/office/drawing/2014/main" id="{54ACBBE9-4257-44D3-A91E-68F28A57F225}"/>
               </a:ext>
             </a:extLst>
           </p:cNvPr>
@@ -1792,7 +1792,7 @@
           <p:cNvPr id="7" name="日期占位符 6">
             <a:extLst>
               <a:ext uri="{FF2B5EF4-FFF2-40B4-BE49-F238E27FC236}">
-                <a16:creationId xmlns:a16="http://schemas.microsoft.com/office/drawing/2014/main" id="{6BF383D7-2B44-0BCD-126F-5691070008DB}"/>
+                <a16:creationId xmlns:a16="http://schemas.microsoft.com/office/drawing/2014/main" id="{4C763341-9708-0CEB-8626-474C153D26F8}"/>
               </a:ext>
             </a:extLst>
           </p:cNvPr>
@@ -1808,7 +1808,7 @@
           <a:bodyPr/>
           <a:lstStyle/>
           <a:p>
-            <a:fld id="{DD1EC357-43F8-4026-AB91-F61774282AC6}" type="datetimeFigureOut">
+            <a:fld id="{F9456A0E-A58B-4508-B51A-EBC91019B2A2}" type="datetimeFigureOut">
               <a:rPr lang="zh-CN" altLang="en-US" smtClean="0"/>
               <a:t>2024/3/10</a:t>
             </a:fld>
@@ -1821,7 +1821,7 @@
           <p:cNvPr id="8" name="页脚占位符 7">
             <a:extLst>
               <a:ext uri="{FF2B5EF4-FFF2-40B4-BE49-F238E27FC236}">
-                <a16:creationId xmlns:a16="http://schemas.microsoft.com/office/drawing/2014/main" id="{52437F6C-5CD9-54E6-300C-02C97CE7B374}"/>
+                <a16:creationId xmlns:a16="http://schemas.microsoft.com/office/drawing/2014/main" id="{C6EB2328-69AA-1037-D194-8F728A723AEA}"/>
               </a:ext>
             </a:extLst>
           </p:cNvPr>
@@ -1846,7 +1846,7 @@
           <p:cNvPr id="9" name="灯片编号占位符 8">
             <a:extLst>
               <a:ext uri="{FF2B5EF4-FFF2-40B4-BE49-F238E27FC236}">
-                <a16:creationId xmlns:a16="http://schemas.microsoft.com/office/drawing/2014/main" id="{28214537-7EBA-9DA0-9ACF-038729C142D6}"/>
+                <a16:creationId xmlns:a16="http://schemas.microsoft.com/office/drawing/2014/main" id="{FAC4F2BC-6477-1ABD-D62E-E467DC85966C}"/>
               </a:ext>
             </a:extLst>
           </p:cNvPr>
@@ -1862,7 +1862,7 @@
           <a:bodyPr/>
           <a:lstStyle/>
           <a:p>
-            <a:fld id="{D060AEF6-9C36-4276-B9B1-42626739A68F}" type="slidenum">
+            <a:fld id="{90D0670D-7C2E-44C5-AFF6-79D9C9D53D29}" type="slidenum">
               <a:rPr lang="zh-CN" altLang="en-US" smtClean="0"/>
               <a:t>‹#›</a:t>
             </a:fld>
@@ -1873,7 +1873,7 @@
     </p:spTree>
     <p:extLst>
       <p:ext uri="{BB962C8B-B14F-4D97-AF65-F5344CB8AC3E}">
-        <p14:creationId xmlns:p14="http://schemas.microsoft.com/office/powerpoint/2010/main" val="3003773332"/>
+        <p14:creationId xmlns:p14="http://schemas.microsoft.com/office/powerpoint/2010/main" val="1857004867"/>
       </p:ext>
     </p:extLst>
   </p:cSld>
@@ -1905,7 +1905,7 @@
           <p:cNvPr id="2" name="标题 1">
             <a:extLst>
               <a:ext uri="{FF2B5EF4-FFF2-40B4-BE49-F238E27FC236}">
-                <a16:creationId xmlns:a16="http://schemas.microsoft.com/office/drawing/2014/main" id="{A2C1C0D7-7D66-2614-622B-B2C54A03762C}"/>
+                <a16:creationId xmlns:a16="http://schemas.microsoft.com/office/drawing/2014/main" id="{F15AD5AF-E12B-F8DE-99EE-AABE4B371634}"/>
               </a:ext>
             </a:extLst>
           </p:cNvPr>
@@ -1933,7 +1933,7 @@
           <p:cNvPr id="3" name="日期占位符 2">
             <a:extLst>
               <a:ext uri="{FF2B5EF4-FFF2-40B4-BE49-F238E27FC236}">
-                <a16:creationId xmlns:a16="http://schemas.microsoft.com/office/drawing/2014/main" id="{915CFB9F-E5AE-35EF-B599-8F716C973CE6}"/>
+                <a16:creationId xmlns:a16="http://schemas.microsoft.com/office/drawing/2014/main" id="{29C703AF-22FA-285C-C036-6D6EA47DE398}"/>
               </a:ext>
             </a:extLst>
           </p:cNvPr>
@@ -1949,7 +1949,7 @@
           <a:bodyPr/>
           <a:lstStyle/>
           <a:p>
-            <a:fld id="{DD1EC357-43F8-4026-AB91-F61774282AC6}" type="datetimeFigureOut">
+            <a:fld id="{F9456A0E-A58B-4508-B51A-EBC91019B2A2}" type="datetimeFigureOut">
               <a:rPr lang="zh-CN" altLang="en-US" smtClean="0"/>
               <a:t>2024/3/10</a:t>
             </a:fld>
@@ -1962,7 +1962,7 @@
           <p:cNvPr id="4" name="页脚占位符 3">
             <a:extLst>
               <a:ext uri="{FF2B5EF4-FFF2-40B4-BE49-F238E27FC236}">
-                <a16:creationId xmlns:a16="http://schemas.microsoft.com/office/drawing/2014/main" id="{26949737-740D-558D-D5D3-7C8BDAB0D0E4}"/>
+                <a16:creationId xmlns:a16="http://schemas.microsoft.com/office/drawing/2014/main" id="{AC351C28-4B73-DDAE-0ADB-019AFB12FB73}"/>
               </a:ext>
             </a:extLst>
           </p:cNvPr>
@@ -1987,7 +1987,7 @@
           <p:cNvPr id="5" name="灯片编号占位符 4">
             <a:extLst>
               <a:ext uri="{FF2B5EF4-FFF2-40B4-BE49-F238E27FC236}">
-                <a16:creationId xmlns:a16="http://schemas.microsoft.com/office/drawing/2014/main" id="{E23950C5-AE66-EF10-9EDC-2B1E2C3138D7}"/>
+                <a16:creationId xmlns:a16="http://schemas.microsoft.com/office/drawing/2014/main" id="{184DCF30-1866-E2CD-720F-FEC7D094564F}"/>
               </a:ext>
             </a:extLst>
           </p:cNvPr>
@@ -2003,7 +2003,7 @@
           <a:bodyPr/>
           <a:lstStyle/>
           <a:p>
-            <a:fld id="{D060AEF6-9C36-4276-B9B1-42626739A68F}" type="slidenum">
+            <a:fld id="{90D0670D-7C2E-44C5-AFF6-79D9C9D53D29}" type="slidenum">
               <a:rPr lang="zh-CN" altLang="en-US" smtClean="0"/>
               <a:t>‹#›</a:t>
             </a:fld>
@@ -2014,7 +2014,7 @@
     </p:spTree>
     <p:extLst>
       <p:ext uri="{BB962C8B-B14F-4D97-AF65-F5344CB8AC3E}">
-        <p14:creationId xmlns:p14="http://schemas.microsoft.com/office/powerpoint/2010/main" val="177562971"/>
+        <p14:creationId xmlns:p14="http://schemas.microsoft.com/office/powerpoint/2010/main" val="3218474024"/>
       </p:ext>
     </p:extLst>
   </p:cSld>
@@ -2046,7 +2046,7 @@
           <p:cNvPr id="2" name="日期占位符 1">
             <a:extLst>
               <a:ext uri="{FF2B5EF4-FFF2-40B4-BE49-F238E27FC236}">
-                <a16:creationId xmlns:a16="http://schemas.microsoft.com/office/drawing/2014/main" id="{9EB1BD42-1D45-1EDF-9995-B2DF193F47DD}"/>
+                <a16:creationId xmlns:a16="http://schemas.microsoft.com/office/drawing/2014/main" id="{895C1001-0E8D-AE14-FD25-B958EB6FFEAF}"/>
               </a:ext>
             </a:extLst>
           </p:cNvPr>
@@ -2062,7 +2062,7 @@
           <a:bodyPr/>
           <a:lstStyle/>
           <a:p>
-            <a:fld id="{DD1EC357-43F8-4026-AB91-F61774282AC6}" type="datetimeFigureOut">
+            <a:fld id="{F9456A0E-A58B-4508-B51A-EBC91019B2A2}" type="datetimeFigureOut">
               <a:rPr lang="zh-CN" altLang="en-US" smtClean="0"/>
               <a:t>2024/3/10</a:t>
             </a:fld>
@@ -2075,7 +2075,7 @@
           <p:cNvPr id="3" name="页脚占位符 2">
             <a:extLst>
               <a:ext uri="{FF2B5EF4-FFF2-40B4-BE49-F238E27FC236}">
-                <a16:creationId xmlns:a16="http://schemas.microsoft.com/office/drawing/2014/main" id="{AC77F447-EDE2-DD57-133A-2D8E92A1A5DC}"/>
+                <a16:creationId xmlns:a16="http://schemas.microsoft.com/office/drawing/2014/main" id="{978473FB-83D3-F3FF-832B-C24A8FD1D4CC}"/>
               </a:ext>
             </a:extLst>
           </p:cNvPr>
@@ -2100,7 +2100,7 @@
           <p:cNvPr id="4" name="灯片编号占位符 3">
             <a:extLst>
               <a:ext uri="{FF2B5EF4-FFF2-40B4-BE49-F238E27FC236}">
-                <a16:creationId xmlns:a16="http://schemas.microsoft.com/office/drawing/2014/main" id="{E8428324-6289-69C8-AE8F-97CE2EAFC4F4}"/>
+                <a16:creationId xmlns:a16="http://schemas.microsoft.com/office/drawing/2014/main" id="{24CC61F0-EB31-374E-237C-5EB6E20A7C6F}"/>
               </a:ext>
             </a:extLst>
           </p:cNvPr>
@@ -2116,7 +2116,7 @@
           <a:bodyPr/>
           <a:lstStyle/>
           <a:p>
-            <a:fld id="{D060AEF6-9C36-4276-B9B1-42626739A68F}" type="slidenum">
+            <a:fld id="{90D0670D-7C2E-44C5-AFF6-79D9C9D53D29}" type="slidenum">
               <a:rPr lang="zh-CN" altLang="en-US" smtClean="0"/>
               <a:t>‹#›</a:t>
             </a:fld>
@@ -2127,7 +2127,7 @@
     </p:spTree>
     <p:extLst>
       <p:ext uri="{BB962C8B-B14F-4D97-AF65-F5344CB8AC3E}">
-        <p14:creationId xmlns:p14="http://schemas.microsoft.com/office/powerpoint/2010/main" val="2657509370"/>
+        <p14:creationId xmlns:p14="http://schemas.microsoft.com/office/powerpoint/2010/main" val="3842916485"/>
       </p:ext>
     </p:extLst>
   </p:cSld>
@@ -2159,7 +2159,7 @@
           <p:cNvPr id="2" name="标题 1">
             <a:extLst>
               <a:ext uri="{FF2B5EF4-FFF2-40B4-BE49-F238E27FC236}">
-                <a16:creationId xmlns:a16="http://schemas.microsoft.com/office/drawing/2014/main" id="{FDD13DEA-6072-D976-A0A1-12ED53E0E915}"/>
+                <a16:creationId xmlns:a16="http://schemas.microsoft.com/office/drawing/2014/main" id="{1F78E055-314A-BA86-D15B-574CF33B2309}"/>
               </a:ext>
             </a:extLst>
           </p:cNvPr>
@@ -2196,7 +2196,7 @@
           <p:cNvPr id="3" name="内容占位符 2">
             <a:extLst>
               <a:ext uri="{FF2B5EF4-FFF2-40B4-BE49-F238E27FC236}">
-                <a16:creationId xmlns:a16="http://schemas.microsoft.com/office/drawing/2014/main" id="{583953AA-5D26-BFD4-8955-EFD8B61659AC}"/>
+                <a16:creationId xmlns:a16="http://schemas.microsoft.com/office/drawing/2014/main" id="{D21C8DE5-572B-4F0A-0D13-10C243317350}"/>
               </a:ext>
             </a:extLst>
           </p:cNvPr>
@@ -2286,7 +2286,7 @@
           <p:cNvPr id="4" name="文本占位符 3">
             <a:extLst>
               <a:ext uri="{FF2B5EF4-FFF2-40B4-BE49-F238E27FC236}">
-                <a16:creationId xmlns:a16="http://schemas.microsoft.com/office/drawing/2014/main" id="{C11C8F6F-B9F7-1F88-1796-115CA8BD196D}"/>
+                <a16:creationId xmlns:a16="http://schemas.microsoft.com/office/drawing/2014/main" id="{DB5AF2FD-8351-F640-81D4-48401CC3DC7F}"/>
               </a:ext>
             </a:extLst>
           </p:cNvPr>
@@ -2357,7 +2357,7 @@
           <p:cNvPr id="5" name="日期占位符 4">
             <a:extLst>
               <a:ext uri="{FF2B5EF4-FFF2-40B4-BE49-F238E27FC236}">
-                <a16:creationId xmlns:a16="http://schemas.microsoft.com/office/drawing/2014/main" id="{96835383-0332-C192-897B-C3DB67170758}"/>
+                <a16:creationId xmlns:a16="http://schemas.microsoft.com/office/drawing/2014/main" id="{637F6056-DC5F-34C9-3C27-7833FE5E6A73}"/>
               </a:ext>
             </a:extLst>
           </p:cNvPr>
@@ -2373,7 +2373,7 @@
           <a:bodyPr/>
           <a:lstStyle/>
           <a:p>
-            <a:fld id="{DD1EC357-43F8-4026-AB91-F61774282AC6}" type="datetimeFigureOut">
+            <a:fld id="{F9456A0E-A58B-4508-B51A-EBC91019B2A2}" type="datetimeFigureOut">
               <a:rPr lang="zh-CN" altLang="en-US" smtClean="0"/>
               <a:t>2024/3/10</a:t>
             </a:fld>
@@ -2386,7 +2386,7 @@
           <p:cNvPr id="6" name="页脚占位符 5">
             <a:extLst>
               <a:ext uri="{FF2B5EF4-FFF2-40B4-BE49-F238E27FC236}">
-                <a16:creationId xmlns:a16="http://schemas.microsoft.com/office/drawing/2014/main" id="{54892739-B821-F240-56E0-E585960F9D3B}"/>
+                <a16:creationId xmlns:a16="http://schemas.microsoft.com/office/drawing/2014/main" id="{8B116892-ADC1-0373-3B5C-CDFCCC7ACF30}"/>
               </a:ext>
             </a:extLst>
           </p:cNvPr>
@@ -2411,7 +2411,7 @@
           <p:cNvPr id="7" name="灯片编号占位符 6">
             <a:extLst>
               <a:ext uri="{FF2B5EF4-FFF2-40B4-BE49-F238E27FC236}">
-                <a16:creationId xmlns:a16="http://schemas.microsoft.com/office/drawing/2014/main" id="{3CF421E5-C01E-F238-9D5F-9558CC8913A4}"/>
+                <a16:creationId xmlns:a16="http://schemas.microsoft.com/office/drawing/2014/main" id="{359B04EB-7D36-0BF5-631A-45D1E9838B0E}"/>
               </a:ext>
             </a:extLst>
           </p:cNvPr>
@@ -2427,7 +2427,7 @@
           <a:bodyPr/>
           <a:lstStyle/>
           <a:p>
-            <a:fld id="{D060AEF6-9C36-4276-B9B1-42626739A68F}" type="slidenum">
+            <a:fld id="{90D0670D-7C2E-44C5-AFF6-79D9C9D53D29}" type="slidenum">
               <a:rPr lang="zh-CN" altLang="en-US" smtClean="0"/>
               <a:t>‹#›</a:t>
             </a:fld>
@@ -2438,7 +2438,7 @@
     </p:spTree>
     <p:extLst>
       <p:ext uri="{BB962C8B-B14F-4D97-AF65-F5344CB8AC3E}">
-        <p14:creationId xmlns:p14="http://schemas.microsoft.com/office/powerpoint/2010/main" val="2373994354"/>
+        <p14:creationId xmlns:p14="http://schemas.microsoft.com/office/powerpoint/2010/main" val="702806870"/>
       </p:ext>
     </p:extLst>
   </p:cSld>
@@ -2470,7 +2470,7 @@
           <p:cNvPr id="2" name="标题 1">
             <a:extLst>
               <a:ext uri="{FF2B5EF4-FFF2-40B4-BE49-F238E27FC236}">
-                <a16:creationId xmlns:a16="http://schemas.microsoft.com/office/drawing/2014/main" id="{4ED12466-DA46-5A9C-B033-5D3B178CD83D}"/>
+                <a16:creationId xmlns:a16="http://schemas.microsoft.com/office/drawing/2014/main" id="{10EAE4B5-F561-9497-A2AF-E8FBC882DD10}"/>
               </a:ext>
             </a:extLst>
           </p:cNvPr>
@@ -2507,7 +2507,7 @@
           <p:cNvPr id="3" name="图片占位符 2">
             <a:extLst>
               <a:ext uri="{FF2B5EF4-FFF2-40B4-BE49-F238E27FC236}">
-                <a16:creationId xmlns:a16="http://schemas.microsoft.com/office/drawing/2014/main" id="{4A86D213-B605-C8A1-86C1-EB81A4782CFA}"/>
+                <a16:creationId xmlns:a16="http://schemas.microsoft.com/office/drawing/2014/main" id="{4441D319-974D-260E-2B7E-8FAB18DC3FC2}"/>
               </a:ext>
             </a:extLst>
           </p:cNvPr>
@@ -2574,7 +2574,7 @@
           <p:cNvPr id="4" name="文本占位符 3">
             <a:extLst>
               <a:ext uri="{FF2B5EF4-FFF2-40B4-BE49-F238E27FC236}">
-                <a16:creationId xmlns:a16="http://schemas.microsoft.com/office/drawing/2014/main" id="{1E60DFA3-BA72-51A2-3085-0C7ABA417B54}"/>
+                <a16:creationId xmlns:a16="http://schemas.microsoft.com/office/drawing/2014/main" id="{9C1E93BB-D516-725F-BF04-49816BD5B112}"/>
               </a:ext>
             </a:extLst>
           </p:cNvPr>
@@ -2645,7 +2645,7 @@
           <p:cNvPr id="5" name="日期占位符 4">
             <a:extLst>
               <a:ext uri="{FF2B5EF4-FFF2-40B4-BE49-F238E27FC236}">
-                <a16:creationId xmlns:a16="http://schemas.microsoft.com/office/drawing/2014/main" id="{1AAEA849-260D-4E43-EE12-B0928EEB1BE2}"/>
+                <a16:creationId xmlns:a16="http://schemas.microsoft.com/office/drawing/2014/main" id="{71181625-36F2-69CC-95C7-622D757EA834}"/>
               </a:ext>
             </a:extLst>
           </p:cNvPr>
@@ -2661,7 +2661,7 @@
           <a:bodyPr/>
           <a:lstStyle/>
           <a:p>
-            <a:fld id="{DD1EC357-43F8-4026-AB91-F61774282AC6}" type="datetimeFigureOut">
+            <a:fld id="{F9456A0E-A58B-4508-B51A-EBC91019B2A2}" type="datetimeFigureOut">
               <a:rPr lang="zh-CN" altLang="en-US" smtClean="0"/>
               <a:t>2024/3/10</a:t>
             </a:fld>
@@ -2674,7 +2674,7 @@
           <p:cNvPr id="6" name="页脚占位符 5">
             <a:extLst>
               <a:ext uri="{FF2B5EF4-FFF2-40B4-BE49-F238E27FC236}">
-                <a16:creationId xmlns:a16="http://schemas.microsoft.com/office/drawing/2014/main" id="{8B7CE848-1F60-3686-9D72-F7DAB8371DEF}"/>
+                <a16:creationId xmlns:a16="http://schemas.microsoft.com/office/drawing/2014/main" id="{91FDD184-E835-F2FF-4E24-A69CB8EA7CBF}"/>
               </a:ext>
             </a:extLst>
           </p:cNvPr>
@@ -2699,7 +2699,7 @@
           <p:cNvPr id="7" name="灯片编号占位符 6">
             <a:extLst>
               <a:ext uri="{FF2B5EF4-FFF2-40B4-BE49-F238E27FC236}">
-                <a16:creationId xmlns:a16="http://schemas.microsoft.com/office/drawing/2014/main" id="{E4848AFB-123A-79C8-7156-261EEEAC6EB9}"/>
+                <a16:creationId xmlns:a16="http://schemas.microsoft.com/office/drawing/2014/main" id="{48C5013E-C516-F4C4-9354-0ED5A61BFDA1}"/>
               </a:ext>
             </a:extLst>
           </p:cNvPr>
@@ -2715,7 +2715,7 @@
           <a:bodyPr/>
           <a:lstStyle/>
           <a:p>
-            <a:fld id="{D060AEF6-9C36-4276-B9B1-42626739A68F}" type="slidenum">
+            <a:fld id="{90D0670D-7C2E-44C5-AFF6-79D9C9D53D29}" type="slidenum">
               <a:rPr lang="zh-CN" altLang="en-US" smtClean="0"/>
               <a:t>‹#›</a:t>
             </a:fld>
@@ -2726,7 +2726,7 @@
     </p:spTree>
     <p:extLst>
       <p:ext uri="{BB962C8B-B14F-4D97-AF65-F5344CB8AC3E}">
-        <p14:creationId xmlns:p14="http://schemas.microsoft.com/office/powerpoint/2010/main" val="1822815111"/>
+        <p14:creationId xmlns:p14="http://schemas.microsoft.com/office/powerpoint/2010/main" val="3489558713"/>
       </p:ext>
     </p:extLst>
   </p:cSld>
@@ -2763,7 +2763,7 @@
           <p:cNvPr id="2" name="标题占位符 1">
             <a:extLst>
               <a:ext uri="{FF2B5EF4-FFF2-40B4-BE49-F238E27FC236}">
-                <a16:creationId xmlns:a16="http://schemas.microsoft.com/office/drawing/2014/main" id="{642447A7-5C90-569D-3558-119E1C69C819}"/>
+                <a16:creationId xmlns:a16="http://schemas.microsoft.com/office/drawing/2014/main" id="{9A17005E-ACF6-D139-AE9D-1C0A92693FD3}"/>
               </a:ext>
             </a:extLst>
           </p:cNvPr>
@@ -2801,7 +2801,7 @@
           <p:cNvPr id="3" name="文本占位符 2">
             <a:extLst>
               <a:ext uri="{FF2B5EF4-FFF2-40B4-BE49-F238E27FC236}">
-                <a16:creationId xmlns:a16="http://schemas.microsoft.com/office/drawing/2014/main" id="{A8CA0854-04CE-E336-6407-1F2175B31BC1}"/>
+                <a16:creationId xmlns:a16="http://schemas.microsoft.com/office/drawing/2014/main" id="{BFEBFCD8-6299-1DC3-5A02-CAC366CA93C4}"/>
               </a:ext>
             </a:extLst>
           </p:cNvPr>
@@ -2868,7 +2868,7 @@
           <p:cNvPr id="4" name="日期占位符 3">
             <a:extLst>
               <a:ext uri="{FF2B5EF4-FFF2-40B4-BE49-F238E27FC236}">
-                <a16:creationId xmlns:a16="http://schemas.microsoft.com/office/drawing/2014/main" id="{7FFB343A-376F-CA31-3C2F-64350A3AD242}"/>
+                <a16:creationId xmlns:a16="http://schemas.microsoft.com/office/drawing/2014/main" id="{C4D53C8B-4B76-A5D3-DBE1-96E71C4FD77F}"/>
               </a:ext>
             </a:extLst>
           </p:cNvPr>
@@ -2902,7 +2902,7 @@
             </a:lvl1pPr>
           </a:lstStyle>
           <a:p>
-            <a:fld id="{DD1EC357-43F8-4026-AB91-F61774282AC6}" type="datetimeFigureOut">
+            <a:fld id="{F9456A0E-A58B-4508-B51A-EBC91019B2A2}" type="datetimeFigureOut">
               <a:rPr lang="zh-CN" altLang="en-US" smtClean="0"/>
               <a:t>2024/3/10</a:t>
             </a:fld>
@@ -2915,7 +2915,7 @@
           <p:cNvPr id="5" name="页脚占位符 4">
             <a:extLst>
               <a:ext uri="{FF2B5EF4-FFF2-40B4-BE49-F238E27FC236}">
-                <a16:creationId xmlns:a16="http://schemas.microsoft.com/office/drawing/2014/main" id="{AD99A48C-D677-FD58-8B1C-8F05AE045BFC}"/>
+                <a16:creationId xmlns:a16="http://schemas.microsoft.com/office/drawing/2014/main" id="{90AA5D51-DFA5-E4D7-42D5-BADE0856171C}"/>
               </a:ext>
             </a:extLst>
           </p:cNvPr>
@@ -2958,7 +2958,7 @@
           <p:cNvPr id="6" name="灯片编号占位符 5">
             <a:extLst>
               <a:ext uri="{FF2B5EF4-FFF2-40B4-BE49-F238E27FC236}">
-                <a16:creationId xmlns:a16="http://schemas.microsoft.com/office/drawing/2014/main" id="{D609E1A5-4961-C504-D505-0005FDE7D5C1}"/>
+                <a16:creationId xmlns:a16="http://schemas.microsoft.com/office/drawing/2014/main" id="{078ABD77-5495-4CAF-5E46-DDAAC2EF7C00}"/>
               </a:ext>
             </a:extLst>
           </p:cNvPr>
@@ -2992,7 +2992,7 @@
             </a:lvl1pPr>
           </a:lstStyle>
           <a:p>
-            <a:fld id="{D060AEF6-9C36-4276-B9B1-42626739A68F}" type="slidenum">
+            <a:fld id="{90D0670D-7C2E-44C5-AFF6-79D9C9D53D29}" type="slidenum">
               <a:rPr lang="zh-CN" altLang="en-US" smtClean="0"/>
               <a:t>‹#›</a:t>
             </a:fld>
@@ -3003,7 +3003,7 @@
     </p:spTree>
     <p:extLst>
       <p:ext uri="{BB962C8B-B14F-4D97-AF65-F5344CB8AC3E}">
-        <p14:creationId xmlns:p14="http://schemas.microsoft.com/office/powerpoint/2010/main" val="2187126826"/>
+        <p14:creationId xmlns:p14="http://schemas.microsoft.com/office/powerpoint/2010/main" val="2418239095"/>
       </p:ext>
     </p:extLst>
   </p:cSld>
@@ -3323,7 +3323,7 @@
       </p:grpSpPr>
       <p:pic>
         <p:nvPicPr>
-          <p:cNvPr id="1406978" name="Picture 2" descr="1373"/>
+          <p:cNvPr id="1408002" name="Picture 2" descr="1374"/>
           <p:cNvPicPr>
             <a:picLocks noChangeAspect="1" noChangeArrowheads="1"/>
           </p:cNvPicPr>
@@ -3345,7 +3345,7 @@
         <p:spPr bwMode="auto">
           <a:xfrm>
             <a:off x="1524000" y="0"/>
-            <a:ext cx="9144000" cy="6681788"/>
+            <a:ext cx="9144000" cy="4008438"/>
           </a:xfrm>
           <a:prstGeom prst="rect">
             <a:avLst/>
